--- a/Document/FINAL/Презентация_Василиадис_безпечатей.pptx
+++ b/Document/FINAL/Презентация_Василиадис_безпечатей.pptx
@@ -223,7 +223,7 @@
           <a:p>
             <a:fld id="{222A6AE0-AA74-41BD-82EA-8543DF964D38}" type="datetimeFigureOut">
               <a:rPr lang="ru-RU" smtClean="0"/>
-              <a:t>08.06.2018</a:t>
+              <a:t>11.06.2018</a:t>
             </a:fld>
             <a:endParaRPr lang="ru-RU"/>
           </a:p>
@@ -673,7 +673,7 @@
             <a:fld id="{D3F45E69-51FF-4017-B855-FA6AEE2AB1D5}" type="datetimeFigureOut">
               <a:rPr lang="ru-RU" smtClean="0"/>
               <a:pPr/>
-              <a:t>08.06.2018</a:t>
+              <a:t>11.06.2018</a:t>
             </a:fld>
             <a:endParaRPr lang="ru-RU"/>
           </a:p>
@@ -840,7 +840,7 @@
             <a:fld id="{D3F45E69-51FF-4017-B855-FA6AEE2AB1D5}" type="datetimeFigureOut">
               <a:rPr lang="ru-RU" smtClean="0"/>
               <a:pPr/>
-              <a:t>08.06.2018</a:t>
+              <a:t>11.06.2018</a:t>
             </a:fld>
             <a:endParaRPr lang="ru-RU"/>
           </a:p>
@@ -1017,7 +1017,7 @@
             <a:fld id="{D3F45E69-51FF-4017-B855-FA6AEE2AB1D5}" type="datetimeFigureOut">
               <a:rPr lang="ru-RU" smtClean="0"/>
               <a:pPr/>
-              <a:t>08.06.2018</a:t>
+              <a:t>11.06.2018</a:t>
             </a:fld>
             <a:endParaRPr lang="ru-RU"/>
           </a:p>
@@ -1184,7 +1184,7 @@
             <a:fld id="{D3F45E69-51FF-4017-B855-FA6AEE2AB1D5}" type="datetimeFigureOut">
               <a:rPr lang="ru-RU" smtClean="0"/>
               <a:pPr/>
-              <a:t>08.06.2018</a:t>
+              <a:t>11.06.2018</a:t>
             </a:fld>
             <a:endParaRPr lang="ru-RU"/>
           </a:p>
@@ -1427,7 +1427,7 @@
             <a:fld id="{D3F45E69-51FF-4017-B855-FA6AEE2AB1D5}" type="datetimeFigureOut">
               <a:rPr lang="ru-RU" smtClean="0"/>
               <a:pPr/>
-              <a:t>08.06.2018</a:t>
+              <a:t>11.06.2018</a:t>
             </a:fld>
             <a:endParaRPr lang="ru-RU"/>
           </a:p>
@@ -1712,7 +1712,7 @@
             <a:fld id="{D3F45E69-51FF-4017-B855-FA6AEE2AB1D5}" type="datetimeFigureOut">
               <a:rPr lang="ru-RU" smtClean="0"/>
               <a:pPr/>
-              <a:t>08.06.2018</a:t>
+              <a:t>11.06.2018</a:t>
             </a:fld>
             <a:endParaRPr lang="ru-RU"/>
           </a:p>
@@ -2131,7 +2131,7 @@
             <a:fld id="{D3F45E69-51FF-4017-B855-FA6AEE2AB1D5}" type="datetimeFigureOut">
               <a:rPr lang="ru-RU" smtClean="0"/>
               <a:pPr/>
-              <a:t>08.06.2018</a:t>
+              <a:t>11.06.2018</a:t>
             </a:fld>
             <a:endParaRPr lang="ru-RU"/>
           </a:p>
@@ -2246,7 +2246,7 @@
             <a:fld id="{D3F45E69-51FF-4017-B855-FA6AEE2AB1D5}" type="datetimeFigureOut">
               <a:rPr lang="ru-RU" smtClean="0"/>
               <a:pPr/>
-              <a:t>08.06.2018</a:t>
+              <a:t>11.06.2018</a:t>
             </a:fld>
             <a:endParaRPr lang="ru-RU"/>
           </a:p>
@@ -2338,7 +2338,7 @@
             <a:fld id="{D3F45E69-51FF-4017-B855-FA6AEE2AB1D5}" type="datetimeFigureOut">
               <a:rPr lang="ru-RU" smtClean="0"/>
               <a:pPr/>
-              <a:t>08.06.2018</a:t>
+              <a:t>11.06.2018</a:t>
             </a:fld>
             <a:endParaRPr lang="ru-RU"/>
           </a:p>
@@ -2612,7 +2612,7 @@
             <a:fld id="{D3F45E69-51FF-4017-B855-FA6AEE2AB1D5}" type="datetimeFigureOut">
               <a:rPr lang="ru-RU" smtClean="0"/>
               <a:pPr/>
-              <a:t>08.06.2018</a:t>
+              <a:t>11.06.2018</a:t>
             </a:fld>
             <a:endParaRPr lang="ru-RU"/>
           </a:p>
@@ -2862,7 +2862,7 @@
             <a:fld id="{D3F45E69-51FF-4017-B855-FA6AEE2AB1D5}" type="datetimeFigureOut">
               <a:rPr lang="ru-RU" smtClean="0"/>
               <a:pPr/>
-              <a:t>08.06.2018</a:t>
+              <a:t>11.06.2018</a:t>
             </a:fld>
             <a:endParaRPr lang="ru-RU"/>
           </a:p>
@@ -3072,7 +3072,7 @@
             <a:fld id="{D3F45E69-51FF-4017-B855-FA6AEE2AB1D5}" type="datetimeFigureOut">
               <a:rPr lang="ru-RU" smtClean="0"/>
               <a:pPr/>
-              <a:t>08.06.2018</a:t>
+              <a:t>11.06.2018</a:t>
             </a:fld>
             <a:endParaRPr lang="ru-RU"/>
           </a:p>
@@ -4761,7 +4761,7 @@
         <p:spPr>
           <a:xfrm>
             <a:off x="291592" y="888286"/>
-            <a:ext cx="4280407" cy="1877437"/>
+            <a:ext cx="4280407" cy="2123658"/>
           </a:xfrm>
           <a:prstGeom prst="rect">
             <a:avLst/>
@@ -4843,7 +4843,26 @@
             </a:pPr>
             <a:r>
               <a:rPr lang="ru-RU" sz="1600" dirty="0" smtClean="0"/>
-              <a:t>быстрое устаревание</a:t>
+              <a:t>быстрое </a:t>
+            </a:r>
+            <a:r>
+              <a:rPr lang="ru-RU" sz="1600" dirty="0" smtClean="0"/>
+              <a:t>устаревание</a:t>
+            </a:r>
+            <a:endParaRPr lang="en-US" sz="1600" dirty="0" smtClean="0"/>
+          </a:p>
+          <a:p>
+            <a:pPr marL="285750" indent="-285750">
+              <a:buFont typeface="Arial" panose="020B0604020202020204" pitchFamily="34" charset="0"/>
+              <a:buChar char="•"/>
+            </a:pPr>
+            <a:r>
+              <a:rPr lang="ru-RU" sz="1600" dirty="0"/>
+              <a:t>узко </a:t>
+            </a:r>
+            <a:r>
+              <a:rPr lang="ru-RU" sz="1600" dirty="0" smtClean="0"/>
+              <a:t>направленность</a:t>
             </a:r>
             <a:endParaRPr lang="ru-RU" sz="1600" dirty="0"/>
           </a:p>
@@ -10520,10 +10539,16 @@
                         </a:spcAft>
                       </a:pPr>
                       <a:r>
-                        <a:rPr lang="ru-RU" sz="1200" dirty="0">
+                        <a:rPr lang="ru-RU" sz="1200" dirty="0" smtClean="0">
                           <a:effectLst/>
                         </a:rPr>
-                        <a:t>Интеграция </a:t>
+                        <a:t>Интеграция с </a:t>
+                      </a:r>
+                      <a:r>
+                        <a:rPr lang="en-US" sz="1200" dirty="0" smtClean="0">
+                          <a:effectLst/>
+                        </a:rPr>
+                        <a:t>VCS (</a:t>
                       </a:r>
                       <a:r>
                         <a:rPr lang="ru-RU" sz="1200" dirty="0" smtClean="0">
@@ -10536,6 +10561,12 @@
                           <a:effectLst/>
                         </a:rPr>
                         <a:t>Git</a:t>
+                      </a:r>
+                      <a:r>
+                        <a:rPr lang="en-US" sz="1200" dirty="0" smtClean="0">
+                          <a:effectLst/>
+                        </a:rPr>
+                        <a:t>)</a:t>
                       </a:r>
                       <a:endParaRPr lang="ru-RU" sz="1100" dirty="0">
                         <a:effectLst/>
